--- a/scm/arquitectura_infraestructura_desarrollo.pptx
+++ b/scm/arquitectura_infraestructura_desarrollo.pptx
@@ -9,7 +9,7 @@
   </p:notesMasterIdLst>
   <p:sldIdLst>
     <p:sldId id="259" r:id="rId2"/>
-    <p:sldId id="260" r:id="rId3"/>
+    <p:sldId id="261" r:id="rId3"/>
     <p:sldId id="256" r:id="rId4"/>
     <p:sldId id="258" r:id="rId5"/>
     <p:sldId id="257" r:id="rId6"/>
@@ -1430,904 +1430,6 @@
       <dsp:cNvGrpSpPr/>
     </dsp:nvGrpSpPr>
     <dsp:grpSpPr/>
-    <dsp:sp modelId="{51BB255F-99ED-44FD-B169-EAE525AB313B}">
-      <dsp:nvSpPr>
-        <dsp:cNvPr id="0" name=""/>
-        <dsp:cNvSpPr/>
-      </dsp:nvSpPr>
-      <dsp:spPr>
-        <a:xfrm>
-          <a:off x="104297" y="337901"/>
-          <a:ext cx="2454735" cy="767104"/>
-        </a:xfrm>
-        <a:prstGeom prst="rect">
-          <a:avLst/>
-        </a:prstGeom>
-        <a:solidFill>
-          <a:schemeClr val="lt1">
-            <a:alpha val="40000"/>
-            <a:hueOff val="0"/>
-            <a:satOff val="0"/>
-            <a:lumOff val="0"/>
-            <a:alphaOff val="0"/>
-          </a:schemeClr>
-        </a:solidFill>
-        <a:ln w="6350" cap="flat" cmpd="sng" algn="ctr">
-          <a:solidFill>
-            <a:schemeClr val="accent1">
-              <a:hueOff val="0"/>
-              <a:satOff val="0"/>
-              <a:lumOff val="0"/>
-              <a:alphaOff val="0"/>
-            </a:schemeClr>
-          </a:solidFill>
-          <a:prstDash val="solid"/>
-          <a:miter lim="800000"/>
-        </a:ln>
-        <a:effectLst/>
-      </dsp:spPr>
-      <dsp:style>
-        <a:lnRef idx="1">
-          <a:scrgbClr r="0" g="0" b="0"/>
-        </a:lnRef>
-        <a:fillRef idx="1">
-          <a:scrgbClr r="0" g="0" b="0"/>
-        </a:fillRef>
-        <a:effectRef idx="0">
-          <a:scrgbClr r="0" g="0" b="0"/>
-        </a:effectRef>
-        <a:fontRef idx="minor"/>
-      </dsp:style>
-      <dsp:txBody>
-        <a:bodyPr spcFirstLastPara="0" vert="horz" wrap="square" lIns="519586" tIns="57150" rIns="57150" bIns="57150" numCol="1" spcCol="1270" anchor="ctr" anchorCtr="0">
-          <a:noAutofit/>
-        </a:bodyPr>
-        <a:lstStyle/>
-        <a:p>
-          <a:pPr lvl="0" algn="l" defTabSz="666750">
-            <a:lnSpc>
-              <a:spcPct val="90000"/>
-            </a:lnSpc>
-            <a:spcBef>
-              <a:spcPct val="0"/>
-            </a:spcBef>
-            <a:spcAft>
-              <a:spcPct val="35000"/>
-            </a:spcAft>
-          </a:pPr>
-          <a:r>
-            <a:rPr lang="es-ES" sz="1500" kern="1200" noProof="0" dirty="0" smtClean="0"/>
-            <a:t>Establecer una única Fuente de verdad</a:t>
-          </a:r>
-          <a:endParaRPr lang="es-ES" sz="1500" kern="1200" noProof="0" dirty="0"/>
-        </a:p>
-      </dsp:txBody>
-      <dsp:txXfrm>
-        <a:off x="104297" y="337901"/>
-        <a:ext cx="2454735" cy="767104"/>
-      </dsp:txXfrm>
-    </dsp:sp>
-    <dsp:sp modelId="{A602F952-D486-4A07-8A67-506754FDFFEF}">
-      <dsp:nvSpPr>
-        <dsp:cNvPr id="0" name=""/>
-        <dsp:cNvSpPr/>
-      </dsp:nvSpPr>
-      <dsp:spPr>
-        <a:xfrm>
-          <a:off x="2017" y="227097"/>
-          <a:ext cx="536973" cy="805460"/>
-        </a:xfrm>
-        <a:prstGeom prst="rect">
-          <a:avLst/>
-        </a:prstGeom>
-        <a:solidFill>
-          <a:schemeClr val="accent1">
-            <a:tint val="50000"/>
-            <a:hueOff val="0"/>
-            <a:satOff val="0"/>
-            <a:lumOff val="0"/>
-            <a:alphaOff val="0"/>
-          </a:schemeClr>
-        </a:solidFill>
-        <a:ln w="12700" cap="flat" cmpd="sng" algn="ctr">
-          <a:solidFill>
-            <a:schemeClr val="lt1">
-              <a:hueOff val="0"/>
-              <a:satOff val="0"/>
-              <a:lumOff val="0"/>
-              <a:alphaOff val="0"/>
-            </a:schemeClr>
-          </a:solidFill>
-          <a:prstDash val="solid"/>
-          <a:miter lim="800000"/>
-        </a:ln>
-        <a:effectLst/>
-      </dsp:spPr>
-      <dsp:style>
-        <a:lnRef idx="2">
-          <a:scrgbClr r="0" g="0" b="0"/>
-        </a:lnRef>
-        <a:fillRef idx="1">
-          <a:scrgbClr r="0" g="0" b="0"/>
-        </a:fillRef>
-        <a:effectRef idx="0">
-          <a:scrgbClr r="0" g="0" b="0"/>
-        </a:effectRef>
-        <a:fontRef idx="minor"/>
-      </dsp:style>
-    </dsp:sp>
-    <dsp:sp modelId="{F025CBFD-C094-4547-9313-75C9F0EB5673}">
-      <dsp:nvSpPr>
-        <dsp:cNvPr id="0" name=""/>
-        <dsp:cNvSpPr/>
-      </dsp:nvSpPr>
-      <dsp:spPr>
-        <a:xfrm>
-          <a:off x="2767122" y="337901"/>
-          <a:ext cx="2454735" cy="767104"/>
-        </a:xfrm>
-        <a:prstGeom prst="rect">
-          <a:avLst/>
-        </a:prstGeom>
-        <a:solidFill>
-          <a:schemeClr val="lt1">
-            <a:alpha val="40000"/>
-            <a:hueOff val="0"/>
-            <a:satOff val="0"/>
-            <a:lumOff val="0"/>
-            <a:alphaOff val="0"/>
-          </a:schemeClr>
-        </a:solidFill>
-        <a:ln w="6350" cap="flat" cmpd="sng" algn="ctr">
-          <a:solidFill>
-            <a:schemeClr val="accent1">
-              <a:hueOff val="0"/>
-              <a:satOff val="0"/>
-              <a:lumOff val="0"/>
-              <a:alphaOff val="0"/>
-            </a:schemeClr>
-          </a:solidFill>
-          <a:prstDash val="solid"/>
-          <a:miter lim="800000"/>
-        </a:ln>
-        <a:effectLst/>
-      </dsp:spPr>
-      <dsp:style>
-        <a:lnRef idx="1">
-          <a:scrgbClr r="0" g="0" b="0"/>
-        </a:lnRef>
-        <a:fillRef idx="1">
-          <a:scrgbClr r="0" g="0" b="0"/>
-        </a:fillRef>
-        <a:effectRef idx="0">
-          <a:scrgbClr r="0" g="0" b="0"/>
-        </a:effectRef>
-        <a:fontRef idx="minor"/>
-      </dsp:style>
-      <dsp:txBody>
-        <a:bodyPr spcFirstLastPara="0" vert="horz" wrap="square" lIns="519586" tIns="57150" rIns="57150" bIns="57150" numCol="1" spcCol="1270" anchor="ctr" anchorCtr="0">
-          <a:noAutofit/>
-        </a:bodyPr>
-        <a:lstStyle/>
-        <a:p>
-          <a:pPr lvl="0" algn="l" defTabSz="666750">
-            <a:lnSpc>
-              <a:spcPct val="90000"/>
-            </a:lnSpc>
-            <a:spcBef>
-              <a:spcPct val="0"/>
-            </a:spcBef>
-            <a:spcAft>
-              <a:spcPct val="35000"/>
-            </a:spcAft>
-          </a:pPr>
-          <a:r>
-            <a:rPr lang="es-ES" sz="1500" kern="1200" noProof="0" dirty="0" smtClean="0"/>
-            <a:t>Automatice las tareas “desagradables”</a:t>
-          </a:r>
-          <a:endParaRPr lang="es-ES" sz="1500" kern="1200" noProof="0" dirty="0"/>
-        </a:p>
-      </dsp:txBody>
-      <dsp:txXfrm>
-        <a:off x="2767122" y="337901"/>
-        <a:ext cx="2454735" cy="767104"/>
-      </dsp:txXfrm>
-    </dsp:sp>
-    <dsp:sp modelId="{0AABDB9E-2593-4529-BB87-B34CFB2388D0}">
-      <dsp:nvSpPr>
-        <dsp:cNvPr id="0" name=""/>
-        <dsp:cNvSpPr/>
-      </dsp:nvSpPr>
-      <dsp:spPr>
-        <a:xfrm>
-          <a:off x="2664841" y="227097"/>
-          <a:ext cx="536973" cy="805460"/>
-        </a:xfrm>
-        <a:prstGeom prst="rect">
-          <a:avLst/>
-        </a:prstGeom>
-        <a:solidFill>
-          <a:schemeClr val="accent1">
-            <a:tint val="50000"/>
-            <a:hueOff val="0"/>
-            <a:satOff val="0"/>
-            <a:lumOff val="0"/>
-            <a:alphaOff val="0"/>
-          </a:schemeClr>
-        </a:solidFill>
-        <a:ln w="12700" cap="flat" cmpd="sng" algn="ctr">
-          <a:solidFill>
-            <a:schemeClr val="lt1">
-              <a:hueOff val="0"/>
-              <a:satOff val="0"/>
-              <a:lumOff val="0"/>
-              <a:alphaOff val="0"/>
-            </a:schemeClr>
-          </a:solidFill>
-          <a:prstDash val="solid"/>
-          <a:miter lim="800000"/>
-        </a:ln>
-        <a:effectLst/>
-      </dsp:spPr>
-      <dsp:style>
-        <a:lnRef idx="2">
-          <a:scrgbClr r="0" g="0" b="0"/>
-        </a:lnRef>
-        <a:fillRef idx="1">
-          <a:scrgbClr r="0" g="0" b="0"/>
-        </a:fillRef>
-        <a:effectRef idx="0">
-          <a:scrgbClr r="0" g="0" b="0"/>
-        </a:effectRef>
-        <a:fontRef idx="minor"/>
-      </dsp:style>
-    </dsp:sp>
-    <dsp:sp modelId="{A347D9D4-1E54-4163-B02F-B30ACFA64C6B}">
-      <dsp:nvSpPr>
-        <dsp:cNvPr id="0" name=""/>
-        <dsp:cNvSpPr/>
-      </dsp:nvSpPr>
-      <dsp:spPr>
-        <a:xfrm>
-          <a:off x="5429947" y="337901"/>
-          <a:ext cx="2454735" cy="767104"/>
-        </a:xfrm>
-        <a:prstGeom prst="rect">
-          <a:avLst/>
-        </a:prstGeom>
-        <a:solidFill>
-          <a:schemeClr val="lt1">
-            <a:alpha val="40000"/>
-            <a:hueOff val="0"/>
-            <a:satOff val="0"/>
-            <a:lumOff val="0"/>
-            <a:alphaOff val="0"/>
-          </a:schemeClr>
-        </a:solidFill>
-        <a:ln w="6350" cap="flat" cmpd="sng" algn="ctr">
-          <a:solidFill>
-            <a:schemeClr val="accent1">
-              <a:hueOff val="0"/>
-              <a:satOff val="0"/>
-              <a:lumOff val="0"/>
-              <a:alphaOff val="0"/>
-            </a:schemeClr>
-          </a:solidFill>
-          <a:prstDash val="solid"/>
-          <a:miter lim="800000"/>
-        </a:ln>
-        <a:effectLst/>
-      </dsp:spPr>
-      <dsp:style>
-        <a:lnRef idx="1">
-          <a:scrgbClr r="0" g="0" b="0"/>
-        </a:lnRef>
-        <a:fillRef idx="1">
-          <a:scrgbClr r="0" g="0" b="0"/>
-        </a:fillRef>
-        <a:effectRef idx="0">
-          <a:scrgbClr r="0" g="0" b="0"/>
-        </a:effectRef>
-        <a:fontRef idx="minor"/>
-      </dsp:style>
-      <dsp:txBody>
-        <a:bodyPr spcFirstLastPara="0" vert="horz" wrap="square" lIns="519586" tIns="57150" rIns="57150" bIns="57150" numCol="1" spcCol="1270" anchor="ctr" anchorCtr="0">
-          <a:noAutofit/>
-        </a:bodyPr>
-        <a:lstStyle/>
-        <a:p>
-          <a:pPr lvl="0" algn="l" defTabSz="666750">
-            <a:lnSpc>
-              <a:spcPct val="90000"/>
-            </a:lnSpc>
-            <a:spcBef>
-              <a:spcPct val="0"/>
-            </a:spcBef>
-            <a:spcAft>
-              <a:spcPct val="35000"/>
-            </a:spcAft>
-          </a:pPr>
-          <a:r>
-            <a:rPr lang="es-ES" sz="1500" kern="1200" noProof="0" dirty="0" smtClean="0"/>
-            <a:t>Gestione dependencias entre y dentro de las aplicaciones.</a:t>
-          </a:r>
-          <a:endParaRPr lang="es-ES" sz="1500" kern="1200" noProof="0" dirty="0"/>
-        </a:p>
-      </dsp:txBody>
-      <dsp:txXfrm>
-        <a:off x="5429947" y="337901"/>
-        <a:ext cx="2454735" cy="767104"/>
-      </dsp:txXfrm>
-    </dsp:sp>
-    <dsp:sp modelId="{7C0F2725-D9BA-42C0-AD1B-CC5EF07EBFF4}">
-      <dsp:nvSpPr>
-        <dsp:cNvPr id="0" name=""/>
-        <dsp:cNvSpPr/>
-      </dsp:nvSpPr>
-      <dsp:spPr>
-        <a:xfrm>
-          <a:off x="5327666" y="227097"/>
-          <a:ext cx="536973" cy="805460"/>
-        </a:xfrm>
-        <a:prstGeom prst="rect">
-          <a:avLst/>
-        </a:prstGeom>
-        <a:solidFill>
-          <a:schemeClr val="accent1">
-            <a:tint val="50000"/>
-            <a:hueOff val="0"/>
-            <a:satOff val="0"/>
-            <a:lumOff val="0"/>
-            <a:alphaOff val="0"/>
-          </a:schemeClr>
-        </a:solidFill>
-        <a:ln w="12700" cap="flat" cmpd="sng" algn="ctr">
-          <a:solidFill>
-            <a:schemeClr val="lt1">
-              <a:hueOff val="0"/>
-              <a:satOff val="0"/>
-              <a:lumOff val="0"/>
-              <a:alphaOff val="0"/>
-            </a:schemeClr>
-          </a:solidFill>
-          <a:prstDash val="solid"/>
-          <a:miter lim="800000"/>
-        </a:ln>
-        <a:effectLst/>
-      </dsp:spPr>
-      <dsp:style>
-        <a:lnRef idx="2">
-          <a:scrgbClr r="0" g="0" b="0"/>
-        </a:lnRef>
-        <a:fillRef idx="1">
-          <a:scrgbClr r="0" g="0" b="0"/>
-        </a:fillRef>
-        <a:effectRef idx="0">
-          <a:scrgbClr r="0" g="0" b="0"/>
-        </a:effectRef>
-        <a:fontRef idx="minor"/>
-      </dsp:style>
-    </dsp:sp>
-    <dsp:sp modelId="{65604857-9F4F-403A-878E-F89C92BE4F76}">
-      <dsp:nvSpPr>
-        <dsp:cNvPr id="0" name=""/>
-        <dsp:cNvSpPr/>
-      </dsp:nvSpPr>
-      <dsp:spPr>
-        <a:xfrm>
-          <a:off x="104297" y="1303601"/>
-          <a:ext cx="2454735" cy="767104"/>
-        </a:xfrm>
-        <a:prstGeom prst="rect">
-          <a:avLst/>
-        </a:prstGeom>
-        <a:solidFill>
-          <a:schemeClr val="lt1">
-            <a:alpha val="40000"/>
-            <a:hueOff val="0"/>
-            <a:satOff val="0"/>
-            <a:lumOff val="0"/>
-            <a:alphaOff val="0"/>
-          </a:schemeClr>
-        </a:solidFill>
-        <a:ln w="6350" cap="flat" cmpd="sng" algn="ctr">
-          <a:solidFill>
-            <a:schemeClr val="accent1">
-              <a:hueOff val="0"/>
-              <a:satOff val="0"/>
-              <a:lumOff val="0"/>
-              <a:alphaOff val="0"/>
-            </a:schemeClr>
-          </a:solidFill>
-          <a:prstDash val="solid"/>
-          <a:miter lim="800000"/>
-        </a:ln>
-        <a:effectLst/>
-      </dsp:spPr>
-      <dsp:style>
-        <a:lnRef idx="1">
-          <a:scrgbClr r="0" g="0" b="0"/>
-        </a:lnRef>
-        <a:fillRef idx="1">
-          <a:scrgbClr r="0" g="0" b="0"/>
-        </a:fillRef>
-        <a:effectRef idx="0">
-          <a:scrgbClr r="0" g="0" b="0"/>
-        </a:effectRef>
-        <a:fontRef idx="minor"/>
-      </dsp:style>
-      <dsp:txBody>
-        <a:bodyPr spcFirstLastPara="0" vert="horz" wrap="square" lIns="519586" tIns="57150" rIns="57150" bIns="57150" numCol="1" spcCol="1270" anchor="ctr" anchorCtr="0">
-          <a:noAutofit/>
-        </a:bodyPr>
-        <a:lstStyle/>
-        <a:p>
-          <a:pPr lvl="0" algn="l" defTabSz="666750">
-            <a:lnSpc>
-              <a:spcPct val="90000"/>
-            </a:lnSpc>
-            <a:spcBef>
-              <a:spcPct val="0"/>
-            </a:spcBef>
-            <a:spcAft>
-              <a:spcPct val="35000"/>
-            </a:spcAft>
-          </a:pPr>
-          <a:r>
-            <a:rPr lang="es-ES" sz="1500" kern="1200" noProof="0" dirty="0" smtClean="0"/>
-            <a:t>Hacer visible “qué (componente) está dónde (entorno)”</a:t>
-          </a:r>
-          <a:endParaRPr lang="es-ES" sz="1500" kern="1200" noProof="0" dirty="0"/>
-        </a:p>
-      </dsp:txBody>
-      <dsp:txXfrm>
-        <a:off x="104297" y="1303601"/>
-        <a:ext cx="2454735" cy="767104"/>
-      </dsp:txXfrm>
-    </dsp:sp>
-    <dsp:sp modelId="{C9147C1E-DAC8-4218-96C9-77DBE0276257}">
-      <dsp:nvSpPr>
-        <dsp:cNvPr id="0" name=""/>
-        <dsp:cNvSpPr/>
-      </dsp:nvSpPr>
-      <dsp:spPr>
-        <a:xfrm>
-          <a:off x="2017" y="1192797"/>
-          <a:ext cx="536973" cy="805460"/>
-        </a:xfrm>
-        <a:prstGeom prst="rect">
-          <a:avLst/>
-        </a:prstGeom>
-        <a:solidFill>
-          <a:schemeClr val="accent1">
-            <a:tint val="50000"/>
-            <a:hueOff val="0"/>
-            <a:satOff val="0"/>
-            <a:lumOff val="0"/>
-            <a:alphaOff val="0"/>
-          </a:schemeClr>
-        </a:solidFill>
-        <a:ln w="12700" cap="flat" cmpd="sng" algn="ctr">
-          <a:solidFill>
-            <a:schemeClr val="lt1">
-              <a:hueOff val="0"/>
-              <a:satOff val="0"/>
-              <a:lumOff val="0"/>
-              <a:alphaOff val="0"/>
-            </a:schemeClr>
-          </a:solidFill>
-          <a:prstDash val="solid"/>
-          <a:miter lim="800000"/>
-        </a:ln>
-        <a:effectLst/>
-      </dsp:spPr>
-      <dsp:style>
-        <a:lnRef idx="2">
-          <a:scrgbClr r="0" g="0" b="0"/>
-        </a:lnRef>
-        <a:fillRef idx="1">
-          <a:scrgbClr r="0" g="0" b="0"/>
-        </a:fillRef>
-        <a:effectRef idx="0">
-          <a:scrgbClr r="0" g="0" b="0"/>
-        </a:effectRef>
-        <a:fontRef idx="minor"/>
-      </dsp:style>
-    </dsp:sp>
-    <dsp:sp modelId="{6445FB9F-11A6-48E8-AFAD-86CA7C4B5FB0}">
-      <dsp:nvSpPr>
-        <dsp:cNvPr id="0" name=""/>
-        <dsp:cNvSpPr/>
-      </dsp:nvSpPr>
-      <dsp:spPr>
-        <a:xfrm>
-          <a:off x="2767122" y="1303601"/>
-          <a:ext cx="2454735" cy="767104"/>
-        </a:xfrm>
-        <a:prstGeom prst="rect">
-          <a:avLst/>
-        </a:prstGeom>
-        <a:solidFill>
-          <a:schemeClr val="lt1">
-            <a:alpha val="40000"/>
-            <a:hueOff val="0"/>
-            <a:satOff val="0"/>
-            <a:lumOff val="0"/>
-            <a:alphaOff val="0"/>
-          </a:schemeClr>
-        </a:solidFill>
-        <a:ln w="6350" cap="flat" cmpd="sng" algn="ctr">
-          <a:solidFill>
-            <a:schemeClr val="accent1">
-              <a:hueOff val="0"/>
-              <a:satOff val="0"/>
-              <a:lumOff val="0"/>
-              <a:alphaOff val="0"/>
-            </a:schemeClr>
-          </a:solidFill>
-          <a:prstDash val="solid"/>
-          <a:miter lim="800000"/>
-        </a:ln>
-        <a:effectLst/>
-      </dsp:spPr>
-      <dsp:style>
-        <a:lnRef idx="1">
-          <a:scrgbClr r="0" g="0" b="0"/>
-        </a:lnRef>
-        <a:fillRef idx="1">
-          <a:scrgbClr r="0" g="0" b="0"/>
-        </a:fillRef>
-        <a:effectRef idx="0">
-          <a:scrgbClr r="0" g="0" b="0"/>
-        </a:effectRef>
-        <a:fontRef idx="minor"/>
-      </dsp:style>
-      <dsp:txBody>
-        <a:bodyPr spcFirstLastPara="0" vert="horz" wrap="square" lIns="519586" tIns="57150" rIns="57150" bIns="57150" numCol="1" spcCol="1270" anchor="ctr" anchorCtr="0">
-          <a:noAutofit/>
-        </a:bodyPr>
-        <a:lstStyle/>
-        <a:p>
-          <a:pPr lvl="0" algn="l" defTabSz="666750">
-            <a:lnSpc>
-              <a:spcPct val="90000"/>
-            </a:lnSpc>
-            <a:spcBef>
-              <a:spcPct val="0"/>
-            </a:spcBef>
-            <a:spcAft>
-              <a:spcPct val="35000"/>
-            </a:spcAft>
-          </a:pPr>
-          <a:r>
-            <a:rPr lang="es-ES" sz="1500" kern="1200" noProof="0" dirty="0" smtClean="0"/>
-            <a:t> Hacer visible las certificaciones y las aprobaciones</a:t>
-          </a:r>
-          <a:endParaRPr lang="es-ES" sz="1500" kern="1200" noProof="0" dirty="0"/>
-        </a:p>
-      </dsp:txBody>
-      <dsp:txXfrm>
-        <a:off x="2767122" y="1303601"/>
-        <a:ext cx="2454735" cy="767104"/>
-      </dsp:txXfrm>
-    </dsp:sp>
-    <dsp:sp modelId="{B8E1E2DF-2191-463F-A437-9A8CF8E569EC}">
-      <dsp:nvSpPr>
-        <dsp:cNvPr id="0" name=""/>
-        <dsp:cNvSpPr/>
-      </dsp:nvSpPr>
-      <dsp:spPr>
-        <a:xfrm>
-          <a:off x="2664841" y="1192797"/>
-          <a:ext cx="536973" cy="805460"/>
-        </a:xfrm>
-        <a:prstGeom prst="rect">
-          <a:avLst/>
-        </a:prstGeom>
-        <a:solidFill>
-          <a:schemeClr val="accent1">
-            <a:tint val="50000"/>
-            <a:hueOff val="0"/>
-            <a:satOff val="0"/>
-            <a:lumOff val="0"/>
-            <a:alphaOff val="0"/>
-          </a:schemeClr>
-        </a:solidFill>
-        <a:ln w="12700" cap="flat" cmpd="sng" algn="ctr">
-          <a:solidFill>
-            <a:schemeClr val="lt1">
-              <a:hueOff val="0"/>
-              <a:satOff val="0"/>
-              <a:lumOff val="0"/>
-              <a:alphaOff val="0"/>
-            </a:schemeClr>
-          </a:solidFill>
-          <a:prstDash val="solid"/>
-          <a:miter lim="800000"/>
-        </a:ln>
-        <a:effectLst/>
-      </dsp:spPr>
-      <dsp:style>
-        <a:lnRef idx="2">
-          <a:scrgbClr r="0" g="0" b="0"/>
-        </a:lnRef>
-        <a:fillRef idx="1">
-          <a:scrgbClr r="0" g="0" b="0"/>
-        </a:fillRef>
-        <a:effectRef idx="0">
-          <a:scrgbClr r="0" g="0" b="0"/>
-        </a:effectRef>
-        <a:fontRef idx="minor"/>
-      </dsp:style>
-    </dsp:sp>
-    <dsp:sp modelId="{7C198A33-E823-4DF0-9C7B-648B5BCC436C}">
-      <dsp:nvSpPr>
-        <dsp:cNvPr id="0" name=""/>
-        <dsp:cNvSpPr/>
-      </dsp:nvSpPr>
-      <dsp:spPr>
-        <a:xfrm>
-          <a:off x="5429947" y="1303601"/>
-          <a:ext cx="2454735" cy="767104"/>
-        </a:xfrm>
-        <a:prstGeom prst="rect">
-          <a:avLst/>
-        </a:prstGeom>
-        <a:solidFill>
-          <a:schemeClr val="lt1">
-            <a:alpha val="40000"/>
-            <a:hueOff val="0"/>
-            <a:satOff val="0"/>
-            <a:lumOff val="0"/>
-            <a:alphaOff val="0"/>
-          </a:schemeClr>
-        </a:solidFill>
-        <a:ln w="6350" cap="flat" cmpd="sng" algn="ctr">
-          <a:solidFill>
-            <a:schemeClr val="accent1">
-              <a:hueOff val="0"/>
-              <a:satOff val="0"/>
-              <a:lumOff val="0"/>
-              <a:alphaOff val="0"/>
-            </a:schemeClr>
-          </a:solidFill>
-          <a:prstDash val="solid"/>
-          <a:miter lim="800000"/>
-        </a:ln>
-        <a:effectLst/>
-      </dsp:spPr>
-      <dsp:style>
-        <a:lnRef idx="1">
-          <a:scrgbClr r="0" g="0" b="0"/>
-        </a:lnRef>
-        <a:fillRef idx="1">
-          <a:scrgbClr r="0" g="0" b="0"/>
-        </a:fillRef>
-        <a:effectRef idx="0">
-          <a:scrgbClr r="0" g="0" b="0"/>
-        </a:effectRef>
-        <a:fontRef idx="minor"/>
-      </dsp:style>
-      <dsp:txBody>
-        <a:bodyPr spcFirstLastPara="0" vert="horz" wrap="square" lIns="519586" tIns="57150" rIns="57150" bIns="57150" numCol="1" spcCol="1270" anchor="ctr" anchorCtr="0">
-          <a:noAutofit/>
-        </a:bodyPr>
-        <a:lstStyle/>
-        <a:p>
-          <a:pPr lvl="0" algn="l" defTabSz="666750">
-            <a:lnSpc>
-              <a:spcPct val="90000"/>
-            </a:lnSpc>
-            <a:spcBef>
-              <a:spcPct val="0"/>
-            </a:spcBef>
-            <a:spcAft>
-              <a:spcPct val="35000"/>
-            </a:spcAft>
-          </a:pPr>
-          <a:r>
-            <a:rPr lang="es-ES" sz="1500" kern="1200" noProof="0" dirty="0" smtClean="0"/>
-            <a:t>Desplegar de forma consistente en los entornos (</a:t>
-          </a:r>
-          <a:r>
-            <a:rPr lang="es-ES" sz="1500" kern="1200" noProof="0" dirty="0" err="1" smtClean="0"/>
-            <a:t>DevOps</a:t>
-          </a:r>
-          <a:r>
-            <a:rPr lang="es-ES" sz="1500" kern="1200" noProof="0" dirty="0" smtClean="0"/>
-            <a:t>)</a:t>
-          </a:r>
-          <a:endParaRPr lang="es-ES" sz="1500" kern="1200" noProof="0" dirty="0"/>
-        </a:p>
-      </dsp:txBody>
-      <dsp:txXfrm>
-        <a:off x="5429947" y="1303601"/>
-        <a:ext cx="2454735" cy="767104"/>
-      </dsp:txXfrm>
-    </dsp:sp>
-    <dsp:sp modelId="{2C0F484C-F3EA-46A6-8169-EBC60AE9F264}">
-      <dsp:nvSpPr>
-        <dsp:cNvPr id="0" name=""/>
-        <dsp:cNvSpPr/>
-      </dsp:nvSpPr>
-      <dsp:spPr>
-        <a:xfrm>
-          <a:off x="5327666" y="1192797"/>
-          <a:ext cx="536973" cy="805460"/>
-        </a:xfrm>
-        <a:prstGeom prst="rect">
-          <a:avLst/>
-        </a:prstGeom>
-        <a:solidFill>
-          <a:schemeClr val="accent1">
-            <a:tint val="50000"/>
-            <a:hueOff val="0"/>
-            <a:satOff val="0"/>
-            <a:lumOff val="0"/>
-            <a:alphaOff val="0"/>
-          </a:schemeClr>
-        </a:solidFill>
-        <a:ln w="12700" cap="flat" cmpd="sng" algn="ctr">
-          <a:solidFill>
-            <a:schemeClr val="lt1">
-              <a:hueOff val="0"/>
-              <a:satOff val="0"/>
-              <a:lumOff val="0"/>
-              <a:alphaOff val="0"/>
-            </a:schemeClr>
-          </a:solidFill>
-          <a:prstDash val="solid"/>
-          <a:miter lim="800000"/>
-        </a:ln>
-        <a:effectLst/>
-      </dsp:spPr>
-      <dsp:style>
-        <a:lnRef idx="2">
-          <a:scrgbClr r="0" g="0" b="0"/>
-        </a:lnRef>
-        <a:fillRef idx="1">
-          <a:scrgbClr r="0" g="0" b="0"/>
-        </a:fillRef>
-        <a:effectRef idx="0">
-          <a:scrgbClr r="0" g="0" b="0"/>
-        </a:effectRef>
-        <a:fontRef idx="minor"/>
-      </dsp:style>
-    </dsp:sp>
-    <dsp:sp modelId="{FB302DFD-CF35-4C37-9F10-CA81F0468B1A}">
-      <dsp:nvSpPr>
-        <dsp:cNvPr id="0" name=""/>
-        <dsp:cNvSpPr/>
-      </dsp:nvSpPr>
-      <dsp:spPr>
-        <a:xfrm>
-          <a:off x="2767122" y="2269301"/>
-          <a:ext cx="2454735" cy="767104"/>
-        </a:xfrm>
-        <a:prstGeom prst="rect">
-          <a:avLst/>
-        </a:prstGeom>
-        <a:solidFill>
-          <a:schemeClr val="lt1">
-            <a:alpha val="40000"/>
-            <a:hueOff val="0"/>
-            <a:satOff val="0"/>
-            <a:lumOff val="0"/>
-            <a:alphaOff val="0"/>
-          </a:schemeClr>
-        </a:solidFill>
-        <a:ln w="6350" cap="flat" cmpd="sng" algn="ctr">
-          <a:solidFill>
-            <a:schemeClr val="accent1">
-              <a:hueOff val="0"/>
-              <a:satOff val="0"/>
-              <a:lumOff val="0"/>
-              <a:alphaOff val="0"/>
-            </a:schemeClr>
-          </a:solidFill>
-          <a:prstDash val="solid"/>
-          <a:miter lim="800000"/>
-        </a:ln>
-        <a:effectLst/>
-      </dsp:spPr>
-      <dsp:style>
-        <a:lnRef idx="1">
-          <a:scrgbClr r="0" g="0" b="0"/>
-        </a:lnRef>
-        <a:fillRef idx="1">
-          <a:scrgbClr r="0" g="0" b="0"/>
-        </a:fillRef>
-        <a:effectRef idx="0">
-          <a:scrgbClr r="0" g="0" b="0"/>
-        </a:effectRef>
-        <a:fontRef idx="minor"/>
-      </dsp:style>
-      <dsp:txBody>
-        <a:bodyPr spcFirstLastPara="0" vert="horz" wrap="square" lIns="519586" tIns="57150" rIns="57150" bIns="57150" numCol="1" spcCol="1270" anchor="ctr" anchorCtr="0">
-          <a:noAutofit/>
-        </a:bodyPr>
-        <a:lstStyle/>
-        <a:p>
-          <a:pPr lvl="0" algn="l" defTabSz="666750">
-            <a:lnSpc>
-              <a:spcPct val="90000"/>
-            </a:lnSpc>
-            <a:spcBef>
-              <a:spcPct val="0"/>
-            </a:spcBef>
-            <a:spcAft>
-              <a:spcPct val="35000"/>
-            </a:spcAft>
-          </a:pPr>
-          <a:r>
-            <a:rPr lang="es-ES" sz="1500" kern="1200" noProof="0" dirty="0" smtClean="0"/>
-            <a:t>Hacer que el Plan de </a:t>
-          </a:r>
-          <a:r>
-            <a:rPr lang="es-ES" sz="1500" kern="1200" noProof="0" dirty="0" err="1" smtClean="0"/>
-            <a:t>Release</a:t>
-          </a:r>
-          <a:r>
-            <a:rPr lang="es-ES" sz="1500" kern="1200" noProof="0" dirty="0" smtClean="0"/>
-            <a:t> sea fácil de consumir</a:t>
-          </a:r>
-          <a:endParaRPr lang="es-ES" sz="1500" kern="1200" noProof="0" dirty="0"/>
-        </a:p>
-      </dsp:txBody>
-      <dsp:txXfrm>
-        <a:off x="2767122" y="2269301"/>
-        <a:ext cx="2454735" cy="767104"/>
-      </dsp:txXfrm>
-    </dsp:sp>
-    <dsp:sp modelId="{CE6C151E-8D36-438E-A116-DB0962086967}">
-      <dsp:nvSpPr>
-        <dsp:cNvPr id="0" name=""/>
-        <dsp:cNvSpPr/>
-      </dsp:nvSpPr>
-      <dsp:spPr>
-        <a:xfrm>
-          <a:off x="2664841" y="2158497"/>
-          <a:ext cx="536973" cy="805460"/>
-        </a:xfrm>
-        <a:prstGeom prst="rect">
-          <a:avLst/>
-        </a:prstGeom>
-        <a:solidFill>
-          <a:schemeClr val="accent1">
-            <a:tint val="50000"/>
-            <a:hueOff val="0"/>
-            <a:satOff val="0"/>
-            <a:lumOff val="0"/>
-            <a:alphaOff val="0"/>
-          </a:schemeClr>
-        </a:solidFill>
-        <a:ln w="12700" cap="flat" cmpd="sng" algn="ctr">
-          <a:solidFill>
-            <a:schemeClr val="lt1">
-              <a:hueOff val="0"/>
-              <a:satOff val="0"/>
-              <a:lumOff val="0"/>
-              <a:alphaOff val="0"/>
-            </a:schemeClr>
-          </a:solidFill>
-          <a:prstDash val="solid"/>
-          <a:miter lim="800000"/>
-        </a:ln>
-        <a:effectLst/>
-      </dsp:spPr>
-      <dsp:style>
-        <a:lnRef idx="2">
-          <a:scrgbClr r="0" g="0" b="0"/>
-        </a:lnRef>
-        <a:fillRef idx="1">
-          <a:scrgbClr r="0" g="0" b="0"/>
-        </a:fillRef>
-        <a:effectRef idx="0">
-          <a:scrgbClr r="0" g="0" b="0"/>
-        </a:effectRef>
-        <a:fontRef idx="minor"/>
-      </dsp:style>
-    </dsp:sp>
   </dsp:spTree>
 </dsp:drawing>
 </file>
@@ -6964,14 +6066,14 @@
             <p:ph idx="1"/>
             <p:extLst>
               <p:ext uri="{D42A27DB-BD31-4B8C-83A1-F6EECF244321}">
-                <p14:modId xmlns:p14="http://schemas.microsoft.com/office/powerpoint/2010/main" val="1656110971"/>
+                <p14:modId xmlns:p14="http://schemas.microsoft.com/office/powerpoint/2010/main" val="1019424663"/>
               </p:ext>
             </p:extLst>
           </p:nvPr>
         </p:nvGraphicFramePr>
         <p:xfrm>
           <a:off x="838200" y="1825625"/>
-          <a:ext cx="10515601" cy="1854200"/>
+          <a:ext cx="10515605" cy="3235960"/>
         </p:xfrm>
         <a:graphic>
           <a:graphicData uri="http://schemas.openxmlformats.org/drawingml/2006/table">
@@ -6981,9 +6083,9 @@
               </a:tblPr>
               <a:tblGrid>
                 <a:gridCol w="1513080"/>
-                <a:gridCol w="3744721"/>
-                <a:gridCol w="2628900"/>
-                <a:gridCol w="2628900"/>
+                <a:gridCol w="2880624"/>
+                <a:gridCol w="936104"/>
+                <a:gridCol w="5185797"/>
               </a:tblGrid>
               <a:tr h="370840">
                 <a:tc>
@@ -7023,6 +6125,7 @@
                     <a:bodyPr/>
                     <a:lstStyle/>
                     <a:p>
+                      <a:pPr algn="ctr"/>
                       <a:r>
                         <a:rPr lang="es-ES" dirty="0" smtClean="0"/>
                         <a:t>Versión</a:t>
@@ -7079,10 +6182,6 @@
                         <a:rPr lang="es-ES" dirty="0" smtClean="0"/>
                         <a:t>Linux</a:t>
                       </a:r>
-                      <a:r>
-                        <a:rPr lang="es-ES" baseline="0" dirty="0" smtClean="0"/>
-                        <a:t> 6.4</a:t>
-                      </a:r>
                       <a:endParaRPr lang="es-ES" dirty="0"/>
                     </a:p>
                   </a:txBody>
@@ -7093,7 +6192,11 @@
                     <a:bodyPr/>
                     <a:lstStyle/>
                     <a:p>
-                      <a:endParaRPr lang="es-ES" dirty="0"/>
+                      <a:pPr algn="ctr"/>
+                      <a:r>
+                        <a:rPr lang="es-ES" dirty="0" smtClean="0"/>
+                        <a:t>6.4</a:t>
+                      </a:r>
                     </a:p>
                   </a:txBody>
                   <a:tcPr/>
@@ -7126,12 +6229,8 @@
                     <a:lstStyle/>
                     <a:p>
                       <a:r>
-                        <a:rPr lang="es-ES" dirty="0" err="1" smtClean="0"/>
-                        <a:t>MySQL</a:t>
-                      </a:r>
-                      <a:r>
                         <a:rPr lang="es-ES" dirty="0" smtClean="0"/>
-                        <a:t> Server</a:t>
+                        <a:t>MySQL Server</a:t>
                       </a:r>
                       <a:endParaRPr lang="es-ES" dirty="0"/>
                     </a:p>
@@ -7143,6 +6242,7 @@
                     <a:bodyPr/>
                     <a:lstStyle/>
                     <a:p>
+                      <a:pPr algn="ctr"/>
                       <a:endParaRPr lang="es-ES" dirty="0"/>
                     </a:p>
                   </a:txBody>
@@ -7179,19 +6279,35 @@
                     <a:bodyPr/>
                     <a:lstStyle/>
                     <a:p>
+                      <a:pPr marL="0" marR="0" indent="0" algn="l" defTabSz="914400" rtl="0" eaLnBrk="1" fontAlgn="auto" latinLnBrk="0" hangingPunct="1">
+                        <a:lnSpc>
+                          <a:spcPct val="100000"/>
+                        </a:lnSpc>
+                        <a:spcBef>
+                          <a:spcPts val="0"/>
+                        </a:spcBef>
+                        <a:spcAft>
+                          <a:spcPts val="0"/>
+                        </a:spcAft>
+                        <a:buClrTx/>
+                        <a:buSzTx/>
+                        <a:buFontTx/>
+                        <a:buNone/>
+                        <a:tabLst/>
+                        <a:defRPr/>
+                      </a:pPr>
                       <a:r>
                         <a:rPr lang="es-ES" dirty="0" smtClean="0"/>
-                        <a:t>Oracle</a:t>
+                        <a:t>Oracle Enterprise</a:t>
                       </a:r>
                       <a:r>
                         <a:rPr lang="es-ES" baseline="0" dirty="0" smtClean="0"/>
                         <a:t> </a:t>
                       </a:r>
                       <a:r>
-                        <a:rPr lang="es-ES" baseline="0" dirty="0" err="1" smtClean="0"/>
-                        <a:t>GlassFish</a:t>
+                        <a:rPr lang="es-ES" dirty="0" smtClean="0"/>
+                        <a:t>Linux</a:t>
                       </a:r>
-                      <a:endParaRPr lang="es-ES" dirty="0"/>
                     </a:p>
                   </a:txBody>
                   <a:tcPr/>
@@ -7201,6 +6317,11 @@
                     <a:bodyPr/>
                     <a:lstStyle/>
                     <a:p>
+                      <a:pPr algn="ctr"/>
+                      <a:r>
+                        <a:rPr lang="es-ES" dirty="0" smtClean="0"/>
+                        <a:t>6.4</a:t>
+                      </a:r>
                       <a:endParaRPr lang="es-ES" dirty="0"/>
                     </a:p>
                   </a:txBody>
@@ -7233,6 +6354,42 @@
                     <a:bodyPr/>
                     <a:lstStyle/>
                     <a:p>
+                      <a:pPr marL="0" marR="0" indent="0" algn="l" defTabSz="914400" rtl="0" eaLnBrk="1" fontAlgn="auto" latinLnBrk="0" hangingPunct="1">
+                        <a:lnSpc>
+                          <a:spcPct val="100000"/>
+                        </a:lnSpc>
+                        <a:spcBef>
+                          <a:spcPts val="0"/>
+                        </a:spcBef>
+                        <a:spcAft>
+                          <a:spcPts val="0"/>
+                        </a:spcAft>
+                        <a:buClrTx/>
+                        <a:buSzTx/>
+                        <a:buFontTx/>
+                        <a:buNone/>
+                        <a:tabLst/>
+                        <a:defRPr/>
+                      </a:pPr>
+                      <a:r>
+                        <a:rPr lang="es-ES" dirty="0" smtClean="0"/>
+                        <a:t>Oracle</a:t>
+                      </a:r>
+                      <a:r>
+                        <a:rPr lang="es-ES" baseline="0" dirty="0" smtClean="0"/>
+                        <a:t> GlassFish</a:t>
+                      </a:r>
+                      <a:endParaRPr lang="es-ES" dirty="0" smtClean="0"/>
+                    </a:p>
+                  </a:txBody>
+                  <a:tcPr/>
+                </a:tc>
+                <a:tc>
+                  <a:txBody>
+                    <a:bodyPr/>
+                    <a:lstStyle/>
+                    <a:p>
+                      <a:pPr algn="ctr"/>
                       <a:endParaRPr lang="es-ES" dirty="0"/>
                     </a:p>
                   </a:txBody>
@@ -7243,6 +6400,213 @@
                     <a:bodyPr/>
                     <a:lstStyle/>
                     <a:p>
+                      <a:endParaRPr lang="es-ES" dirty="0"/>
+                    </a:p>
+                  </a:txBody>
+                  <a:tcPr/>
+                </a:tc>
+              </a:tr>
+              <a:tr h="370840">
+                <a:tc>
+                  <a:txBody>
+                    <a:bodyPr/>
+                    <a:lstStyle/>
+                    <a:p>
+                      <a:r>
+                        <a:rPr lang="es-ES" dirty="0" smtClean="0"/>
+                        <a:t>cisrvr01</a:t>
+                      </a:r>
+                      <a:endParaRPr lang="es-ES" dirty="0"/>
+                    </a:p>
+                  </a:txBody>
+                  <a:tcPr/>
+                </a:tc>
+                <a:tc>
+                  <a:txBody>
+                    <a:bodyPr/>
+                    <a:lstStyle/>
+                    <a:p>
+                      <a:pPr marL="0" marR="0" indent="0" algn="l" defTabSz="914400" rtl="0" eaLnBrk="1" fontAlgn="auto" latinLnBrk="0" hangingPunct="1">
+                        <a:lnSpc>
+                          <a:spcPct val="100000"/>
+                        </a:lnSpc>
+                        <a:spcBef>
+                          <a:spcPts val="0"/>
+                        </a:spcBef>
+                        <a:spcAft>
+                          <a:spcPts val="0"/>
+                        </a:spcAft>
+                        <a:buClrTx/>
+                        <a:buSzTx/>
+                        <a:buFontTx/>
+                        <a:buNone/>
+                        <a:tabLst/>
+                        <a:defRPr/>
+                      </a:pPr>
+                      <a:r>
+                        <a:rPr lang="es-ES" dirty="0" smtClean="0"/>
+                        <a:t>Oracle Enterprise</a:t>
+                      </a:r>
+                      <a:r>
+                        <a:rPr lang="es-ES" baseline="0" dirty="0" smtClean="0"/>
+                        <a:t> </a:t>
+                      </a:r>
+                      <a:r>
+                        <a:rPr lang="es-ES" dirty="0" smtClean="0"/>
+                        <a:t>Linux</a:t>
+                      </a:r>
+                    </a:p>
+                  </a:txBody>
+                  <a:tcPr/>
+                </a:tc>
+                <a:tc>
+                  <a:txBody>
+                    <a:bodyPr/>
+                    <a:lstStyle/>
+                    <a:p>
+                      <a:pPr algn="ctr"/>
+                      <a:r>
+                        <a:rPr lang="es-ES" dirty="0" smtClean="0"/>
+                        <a:t>6.4</a:t>
+                      </a:r>
+                      <a:endParaRPr lang="es-ES" dirty="0"/>
+                    </a:p>
+                  </a:txBody>
+                  <a:tcPr/>
+                </a:tc>
+                <a:tc>
+                  <a:txBody>
+                    <a:bodyPr/>
+                    <a:lstStyle/>
+                    <a:p>
+                      <a:endParaRPr lang="es-ES" dirty="0"/>
+                    </a:p>
+                  </a:txBody>
+                  <a:tcPr/>
+                </a:tc>
+              </a:tr>
+              <a:tr h="370840">
+                <a:tc>
+                  <a:txBody>
+                    <a:bodyPr/>
+                    <a:lstStyle/>
+                    <a:p>
+                      <a:endParaRPr lang="es-ES" dirty="0"/>
+                    </a:p>
+                  </a:txBody>
+                  <a:tcPr/>
+                </a:tc>
+                <a:tc>
+                  <a:txBody>
+                    <a:bodyPr/>
+                    <a:lstStyle/>
+                    <a:p>
+                      <a:pPr marL="0" marR="0" indent="0" algn="l" defTabSz="914400" rtl="0" eaLnBrk="1" fontAlgn="auto" latinLnBrk="0" hangingPunct="1">
+                        <a:lnSpc>
+                          <a:spcPct val="100000"/>
+                        </a:lnSpc>
+                        <a:spcBef>
+                          <a:spcPts val="0"/>
+                        </a:spcBef>
+                        <a:spcAft>
+                          <a:spcPts val="0"/>
+                        </a:spcAft>
+                        <a:buClrTx/>
+                        <a:buSzTx/>
+                        <a:buFontTx/>
+                        <a:buNone/>
+                        <a:tabLst/>
+                        <a:defRPr/>
+                      </a:pPr>
+                      <a:r>
+                        <a:rPr lang="es-ES" dirty="0" smtClean="0"/>
+                        <a:t>Oracle</a:t>
+                      </a:r>
+                      <a:r>
+                        <a:rPr lang="es-ES" baseline="0" dirty="0" smtClean="0"/>
+                        <a:t> Hudson</a:t>
+                      </a:r>
+                      <a:endParaRPr lang="es-ES" dirty="0" smtClean="0"/>
+                    </a:p>
+                  </a:txBody>
+                  <a:tcPr/>
+                </a:tc>
+                <a:tc>
+                  <a:txBody>
+                    <a:bodyPr/>
+                    <a:lstStyle/>
+                    <a:p>
+                      <a:pPr algn="ctr"/>
+                      <a:r>
+                        <a:rPr lang="es-ES" dirty="0" smtClean="0"/>
+                        <a:t>3.2.0</a:t>
+                      </a:r>
+                      <a:endParaRPr lang="es-ES" dirty="0"/>
+                    </a:p>
+                  </a:txBody>
+                  <a:tcPr/>
+                </a:tc>
+                <a:tc>
+                  <a:txBody>
+                    <a:bodyPr/>
+                    <a:lstStyle/>
+                    <a:p>
+                      <a:r>
+                        <a:rPr lang="es-ES" dirty="0" smtClean="0">
+                          <a:hlinkClick r:id="rId2"/>
+                        </a:rPr>
+                        <a:t>http://hudson-ci.org/downloads/redhat/hudson-3.2.0-1.1.noarch.rpm</a:t>
+                      </a:r>
+                      <a:endParaRPr lang="es-ES" dirty="0"/>
+                    </a:p>
+                  </a:txBody>
+                  <a:tcPr/>
+                </a:tc>
+              </a:tr>
+              <a:tr h="370840">
+                <a:tc>
+                  <a:txBody>
+                    <a:bodyPr/>
+                    <a:lstStyle/>
+                    <a:p>
+                      <a:endParaRPr lang="es-ES" dirty="0"/>
+                    </a:p>
+                  </a:txBody>
+                  <a:tcPr/>
+                </a:tc>
+                <a:tc>
+                  <a:txBody>
+                    <a:bodyPr/>
+                    <a:lstStyle/>
+                    <a:p>
+                      <a:pPr marL="0" marR="0" indent="0" algn="l" defTabSz="914400" rtl="0" eaLnBrk="1" fontAlgn="auto" latinLnBrk="0" hangingPunct="1">
+                        <a:lnSpc>
+                          <a:spcPct val="100000"/>
+                        </a:lnSpc>
+                        <a:spcBef>
+                          <a:spcPts val="0"/>
+                        </a:spcBef>
+                        <a:spcAft>
+                          <a:spcPts val="0"/>
+                        </a:spcAft>
+                        <a:buClrTx/>
+                        <a:buSzTx/>
+                        <a:buFontTx/>
+                        <a:buNone/>
+                        <a:tabLst/>
+                        <a:defRPr/>
+                      </a:pPr>
+                      <a:endParaRPr lang="es-ES" dirty="0" smtClean="0"/>
+                    </a:p>
+                  </a:txBody>
+                  <a:tcPr/>
+                </a:tc>
+                <a:tc>
+                  <a:txBody>
+                    <a:bodyPr/>
+                    <a:lstStyle/>
+                    <a:p>
+                      <a:pPr algn="ctr"/>
                       <a:endParaRPr lang="es-ES" dirty="0"/>
                     </a:p>
                   </a:txBody>
@@ -7266,7 +6630,7 @@
     </p:spTree>
     <p:extLst>
       <p:ext uri="{BB962C8B-B14F-4D97-AF65-F5344CB8AC3E}">
-        <p14:creationId xmlns:p14="http://schemas.microsoft.com/office/powerpoint/2010/main" val="3615751558"/>
+        <p14:creationId xmlns:p14="http://schemas.microsoft.com/office/powerpoint/2010/main" val="936233206"/>
       </p:ext>
     </p:extLst>
   </p:cSld>
@@ -7334,7 +6698,6 @@
               <a:rPr lang="es-PE" dirty="0"/>
               <a:t>Base de datos</a:t>
             </a:r>
-            <a:endParaRPr lang="es-PE" dirty="0"/>
           </a:p>
         </p:txBody>
       </p:sp>
@@ -7404,11 +6767,6 @@
               </a:rPr>
               <a:t> 11.2</a:t>
             </a:r>
-            <a:endParaRPr lang="es-PE" sz="1100" dirty="0">
-              <a:solidFill>
-                <a:schemeClr val="tx1"/>
-              </a:solidFill>
-            </a:endParaRPr>
           </a:p>
         </p:txBody>
       </p:sp>
@@ -7453,7 +6811,6 @@
               <a:rPr lang="es-PE" dirty="0"/>
               <a:t>Infraestructura SOA</a:t>
             </a:r>
-            <a:endParaRPr lang="es-PE" dirty="0"/>
           </a:p>
         </p:txBody>
       </p:sp>
@@ -7518,11 +6875,6 @@
               </a:rPr>
               <a:t>jrockit-jdk1.6.0_45-R28.2.7-4.1.0-linux-x64</a:t>
             </a:r>
-            <a:endParaRPr lang="es-PE" sz="1100" dirty="0">
-              <a:solidFill>
-                <a:schemeClr val="tx1"/>
-              </a:solidFill>
-            </a:endParaRPr>
           </a:p>
         </p:txBody>
       </p:sp>
@@ -7567,7 +6919,6 @@
               <a:rPr lang="es-PE" dirty="0"/>
               <a:t>IDEs de Desarrollo/Modelado</a:t>
             </a:r>
-            <a:endParaRPr lang="es-PE" dirty="0"/>
           </a:p>
         </p:txBody>
       </p:sp>
@@ -7616,11 +6967,7 @@
             <a:pPr algn="ctr"/>
             <a:r>
               <a:rPr lang="es-PE" sz="1100" dirty="0"/>
-              <a:t>Oracle </a:t>
-            </a:r>
-            <a:r>
-              <a:rPr lang="es-PE" sz="1100" dirty="0"/>
-              <a:t>JDeveloper </a:t>
+              <a:t>Oracle JDeveloper </a:t>
             </a:r>
             <a:br>
               <a:rPr lang="es-PE" sz="1100" dirty="0"/>
@@ -7629,7 +6976,6 @@
               <a:rPr lang="es-PE" sz="1100" dirty="0"/>
               <a:t>(11.1.1.7.0 Build 130226.1400.6493)</a:t>
             </a:r>
-            <a:endParaRPr lang="es-PE" sz="1100" dirty="0"/>
           </a:p>
         </p:txBody>
       </p:sp>
@@ -7680,7 +7026,6 @@
               <a:rPr lang="es-PE" sz="1100" dirty="0"/>
               <a:t>Oracle SQL Developer (3.2.20.09.87 64 bits)</a:t>
             </a:r>
-            <a:endParaRPr lang="es-PE" sz="1100" dirty="0"/>
           </a:p>
         </p:txBody>
       </p:sp>
@@ -7738,7 +7083,6 @@
               <a:rPr lang="es-PE" sz="1200" dirty="0"/>
               <a:t>(11.1.1.7.0.0.8)</a:t>
             </a:r>
-            <a:endParaRPr lang="es-PE" sz="1200" dirty="0"/>
           </a:p>
         </p:txBody>
       </p:sp>
@@ -7846,7 +7190,6 @@
               <a:rPr lang="es-PE" sz="1100" dirty="0"/>
               <a:t>Oracle BPA Suite 11gR1</a:t>
             </a:r>
-            <a:endParaRPr lang="es-PE" sz="1100" dirty="0"/>
           </a:p>
         </p:txBody>
       </p:sp>
@@ -7891,7 +7234,6 @@
               <a:rPr lang="es-PE" dirty="0"/>
               <a:t>SCM</a:t>
             </a:r>
-            <a:endParaRPr lang="es-PE" dirty="0"/>
           </a:p>
         </p:txBody>
       </p:sp>
@@ -7942,7 +7284,6 @@
               <a:rPr lang="es-PE" sz="1100" dirty="0"/>
               <a:t>Tortoise SVN (1.7 64 bits)</a:t>
             </a:r>
-            <a:endParaRPr lang="es-PE" sz="1100" dirty="0"/>
           </a:p>
         </p:txBody>
       </p:sp>
@@ -7993,7 +7334,6 @@
               <a:rPr lang="es-PE" sz="1100" dirty="0"/>
               <a:t>Subversion Server</a:t>
             </a:r>
-            <a:endParaRPr lang="es-PE" sz="1100" dirty="0"/>
           </a:p>
         </p:txBody>
       </p:sp>
@@ -8044,7 +7384,6 @@
               <a:rPr lang="es-PE" sz="1100" dirty="0"/>
               <a:t>Atlassian JIRA (http://crossnet.atlassian.net)</a:t>
             </a:r>
-            <a:endParaRPr lang="es-PE" sz="1100" dirty="0"/>
           </a:p>
         </p:txBody>
       </p:sp>
@@ -8089,7 +7428,6 @@
               <a:rPr lang="es-PE" dirty="0"/>
               <a:t>Gestión del Proyecto</a:t>
             </a:r>
-            <a:endParaRPr lang="es-PE" dirty="0"/>
           </a:p>
         </p:txBody>
       </p:sp>
@@ -8140,7 +7478,6 @@
               <a:rPr lang="es-PE" sz="1100" dirty="0"/>
               <a:t>Microsoft Project 2007</a:t>
             </a:r>
-            <a:endParaRPr lang="es-PE" sz="1100" dirty="0"/>
           </a:p>
         </p:txBody>
       </p:sp>
@@ -8191,7 +7528,6 @@
               <a:rPr lang="es-PE" sz="1100" dirty="0"/>
               <a:t>Atlassian JIRA (http://crossnet.atlassian.net)</a:t>
             </a:r>
-            <a:endParaRPr lang="es-PE" sz="1100" dirty="0"/>
           </a:p>
         </p:txBody>
       </p:sp>
@@ -8242,7 +7578,6 @@
               <a:rPr lang="es-PE" sz="1100" dirty="0"/>
               <a:t>SOAP UI 4.0.0</a:t>
             </a:r>
-            <a:endParaRPr lang="es-PE" sz="1100" dirty="0"/>
           </a:p>
         </p:txBody>
       </p:sp>
@@ -8293,7 +7628,6 @@
               <a:rPr lang="es-PE" sz="1100" dirty="0"/>
               <a:t>BPM Domain (DevBPMDomain)</a:t>
             </a:r>
-            <a:endParaRPr lang="es-PE" sz="1100" dirty="0"/>
           </a:p>
         </p:txBody>
       </p:sp>
@@ -8635,11 +7969,6 @@
               </a:rPr>
               <a:t>Oracle SOA Suite 11.1.1.7 // Oracle Unified BPM Suite 11.1.1.7</a:t>
             </a:r>
-            <a:endParaRPr lang="es-PE" sz="1000" dirty="0">
-              <a:solidFill>
-                <a:schemeClr val="tx1"/>
-              </a:solidFill>
-            </a:endParaRPr>
           </a:p>
         </p:txBody>
       </p:sp>
@@ -8691,11 +8020,6 @@
               </a:rPr>
               <a:t>Oracle Enterprise Linux 6.4</a:t>
             </a:r>
-            <a:endParaRPr lang="es-PE" sz="1000" dirty="0">
-              <a:solidFill>
-                <a:schemeClr val="tx1"/>
-              </a:solidFill>
-            </a:endParaRPr>
           </a:p>
         </p:txBody>
       </p:sp>
@@ -8933,11 +8257,7 @@
           <a:p>
             <a:r>
               <a:rPr lang="es-ES" sz="1350" dirty="0"/>
-              <a:t>Fuente. http</a:t>
-            </a:r>
-            <a:r>
-              <a:rPr lang="es-ES" sz="1350" dirty="0"/>
-              <a:t>://public.dhe.ibm.com/common/ssi/ecm/en/raw14329usen/RAW14329USEN.PDF</a:t>
+              <a:t>Fuente. http://public.dhe.ibm.com/common/ssi/ecm/en/raw14329usen/RAW14329USEN.PDF</a:t>
             </a:r>
           </a:p>
         </p:txBody>
@@ -8991,11 +8311,7 @@
           <a:p>
             <a:r>
               <a:rPr lang="es-ES" dirty="0" smtClean="0"/>
-              <a:t>Integración Continua (CI</a:t>
-            </a:r>
-            <a:r>
-              <a:rPr lang="es-ES" dirty="0" smtClean="0"/>
-              <a:t>) en el Proyecto</a:t>
+              <a:t>Integración Continua (CI) en el Proyecto</a:t>
             </a:r>
             <a:endParaRPr lang="es-ES" dirty="0"/>
           </a:p>
@@ -9055,7 +8371,6 @@
                 <a:rPr lang="es-ES" sz="1050" dirty="0"/>
                 <a:t>SVN Server</a:t>
               </a:r>
-              <a:endParaRPr lang="es-ES" sz="1050" dirty="0"/>
             </a:p>
           </p:txBody>
         </p:sp>
@@ -9099,7 +8414,6 @@
                 <a:rPr lang="es-ES" sz="1050" dirty="0"/>
                 <a:t>SVN Server</a:t>
               </a:r>
-              <a:endParaRPr lang="es-ES" sz="1050" dirty="0"/>
             </a:p>
           </p:txBody>
         </p:sp>
@@ -9160,11 +8474,6 @@
                   </a:rPr>
                   <a:t>CI Server</a:t>
                 </a:r>
-                <a:endParaRPr lang="es-ES" sz="1050" dirty="0">
-                  <a:solidFill>
-                    <a:schemeClr val="tx1"/>
-                  </a:solidFill>
-                </a:endParaRPr>
               </a:p>
             </p:txBody>
           </p:sp>
@@ -9250,11 +8559,6 @@
                       </a:rPr>
                       <a:t>CI (HUDSON)</a:t>
                     </a:r>
-                    <a:endParaRPr lang="es-ES" sz="1050" dirty="0">
-                      <a:solidFill>
-                        <a:schemeClr val="tx1"/>
-                      </a:solidFill>
-                    </a:endParaRPr>
                   </a:p>
                 </p:txBody>
               </p:sp>
@@ -9302,11 +8606,6 @@
                       </a:rPr>
                       <a:t>Build Job – “SOA Service X”</a:t>
                     </a:r>
-                    <a:endParaRPr lang="es-ES" sz="1050" dirty="0">
-                      <a:solidFill>
-                        <a:schemeClr val="tx1"/>
-                      </a:solidFill>
-                    </a:endParaRPr>
                   </a:p>
                 </p:txBody>
               </p:sp>
@@ -9355,11 +8654,6 @@
                       </a:rPr>
                       <a:t>Checkout</a:t>
                     </a:r>
-                    <a:endParaRPr lang="es-ES" sz="1050" dirty="0">
-                      <a:solidFill>
-                        <a:schemeClr val="tx1"/>
-                      </a:solidFill>
-                    </a:endParaRPr>
                   </a:p>
                 </p:txBody>
               </p:sp>
@@ -9408,11 +8702,6 @@
                       </a:rPr>
                       <a:t>Build</a:t>
                     </a:r>
-                    <a:endParaRPr lang="es-ES" sz="1050" dirty="0">
-                      <a:solidFill>
-                        <a:schemeClr val="tx1"/>
-                      </a:solidFill>
-                    </a:endParaRPr>
                   </a:p>
                 </p:txBody>
               </p:sp>
@@ -9461,11 +8750,6 @@
                       </a:rPr>
                       <a:t>Deploy</a:t>
                     </a:r>
-                    <a:endParaRPr lang="es-ES" sz="1050" dirty="0">
-                      <a:solidFill>
-                        <a:schemeClr val="tx1"/>
-                      </a:solidFill>
-                    </a:endParaRPr>
                   </a:p>
                 </p:txBody>
               </p:sp>
@@ -9514,11 +8798,6 @@
                       </a:rPr>
                       <a:t>Test</a:t>
                     </a:r>
-                    <a:endParaRPr lang="es-ES" sz="1050" dirty="0">
-                      <a:solidFill>
-                        <a:schemeClr val="tx1"/>
-                      </a:solidFill>
-                    </a:endParaRPr>
                   </a:p>
                 </p:txBody>
               </p:sp>
@@ -9567,11 +8846,6 @@
                       </a:rPr>
                       <a:t>Release</a:t>
                     </a:r>
-                    <a:endParaRPr lang="es-ES" sz="1050" dirty="0">
-                      <a:solidFill>
-                        <a:schemeClr val="tx1"/>
-                      </a:solidFill>
-                    </a:endParaRPr>
                   </a:p>
                 </p:txBody>
               </p:sp>
@@ -10038,7 +9312,6 @@
                 <a:rPr lang="es-ES" sz="900" dirty="0"/>
                 <a:t>servicio</a:t>
               </a:r>
-              <a:endParaRPr lang="es-ES" sz="900" dirty="0"/>
             </a:p>
           </p:txBody>
         </p:sp>
@@ -10085,7 +9358,6 @@
                 <a:rPr lang="es-ES" sz="900" dirty="0"/>
                 <a:t>trunk</a:t>
               </a:r>
-              <a:endParaRPr lang="es-ES" sz="900" dirty="0"/>
             </a:p>
           </p:txBody>
         </p:sp>
@@ -10129,7 +9401,6 @@
                 <a:rPr lang="es-ES" sz="900" dirty="0"/>
                 <a:t>tags</a:t>
               </a:r>
-              <a:endParaRPr lang="es-ES" sz="900" dirty="0"/>
             </a:p>
           </p:txBody>
         </p:sp>
@@ -10187,7 +9458,6 @@
                 <a:rPr lang="es-ES" sz="900" dirty="0"/>
                 <a:t>servicio</a:t>
               </a:r>
-              <a:endParaRPr lang="es-ES" sz="900" dirty="0"/>
             </a:p>
           </p:txBody>
         </p:sp>
@@ -10231,7 +9501,6 @@
                 <a:rPr lang="es-ES" sz="900" dirty="0"/>
                 <a:t>trunk</a:t>
               </a:r>
-              <a:endParaRPr lang="es-ES" sz="900" dirty="0"/>
             </a:p>
           </p:txBody>
         </p:sp>
@@ -10278,7 +9547,6 @@
                 <a:rPr lang="es-ES" sz="900" dirty="0"/>
                 <a:t>tags</a:t>
               </a:r>
-              <a:endParaRPr lang="es-ES" sz="900" dirty="0"/>
             </a:p>
           </p:txBody>
         </p:sp>
@@ -10402,7 +9670,6 @@
                   <a:rPr lang="es-ES" sz="900" dirty="0"/>
                   <a:t>BD</a:t>
                 </a:r>
-                <a:endParaRPr lang="es-ES" sz="900" dirty="0"/>
               </a:p>
             </p:txBody>
           </p:sp>
@@ -10544,7 +9811,6 @@
                     <a:rPr lang="es-ES" sz="900" dirty="0"/>
                     <a:t>WLS</a:t>
                   </a:r>
-                  <a:endParaRPr lang="es-ES" sz="900" dirty="0"/>
                 </a:p>
               </p:txBody>
             </p:sp>
@@ -10602,7 +9868,6 @@
                       <a:rPr lang="es-ES" sz="750" dirty="0"/>
                       <a:t>soa_server</a:t>
                     </a:r>
-                    <a:endParaRPr lang="es-ES" sz="750" dirty="0"/>
                   </a:p>
                 </p:txBody>
               </p:sp>
@@ -10646,7 +9911,6 @@
                       <a:rPr lang="es-ES" sz="750" dirty="0"/>
                       <a:t>osb_server</a:t>
                     </a:r>
-                    <a:endParaRPr lang="es-ES" sz="750" dirty="0"/>
                   </a:p>
                 </p:txBody>
               </p:sp>
@@ -10679,7 +9943,6 @@
                 <a:rPr lang="es-ES" sz="750" dirty="0"/>
                 <a:t>Entorno QA</a:t>
               </a:r>
-              <a:endParaRPr lang="es-ES" sz="750" dirty="0"/>
             </a:p>
           </p:txBody>
         </p:sp>

--- a/scm/arquitectura_infraestructura_desarrollo.pptx
+++ b/scm/arquitectura_infraestructura_desarrollo.pptx
@@ -3040,6 +3040,104 @@
             <p:ph type="sldImg"/>
           </p:nvPr>
         </p:nvSpPr>
+        <p:spPr/>
+      </p:sp>
+      <p:sp>
+        <p:nvSpPr>
+          <p:cNvPr id="3" name="Marcador de notas 2"/>
+          <p:cNvSpPr>
+            <a:spLocks noGrp="1"/>
+          </p:cNvSpPr>
+          <p:nvPr>
+            <p:ph type="body" idx="1"/>
+          </p:nvPr>
+        </p:nvSpPr>
+        <p:spPr/>
+        <p:txBody>
+          <a:bodyPr/>
+          <a:lstStyle/>
+          <a:p>
+            <a:r>
+              <a:rPr lang="es-ES" dirty="0" smtClean="0"/>
+              <a:t>rpm -i MySQL-server-</a:t>
+            </a:r>
+            <a:r>
+              <a:rPr lang="es-ES" b="1" i="1" dirty="0" smtClean="0">
+                <a:effectLst/>
+              </a:rPr>
+              <a:t>VERSION</a:t>
+            </a:r>
+            <a:r>
+              <a:rPr lang="es-ES" dirty="0" smtClean="0"/>
+              <a:t>.i386.rpm</a:t>
+            </a:r>
+            <a:endParaRPr lang="es-ES" dirty="0"/>
+          </a:p>
+        </p:txBody>
+      </p:sp>
+      <p:sp>
+        <p:nvSpPr>
+          <p:cNvPr id="4" name="Marcador de número de diapositiva 3"/>
+          <p:cNvSpPr>
+            <a:spLocks noGrp="1"/>
+          </p:cNvSpPr>
+          <p:nvPr>
+            <p:ph type="sldNum" sz="quarter" idx="10"/>
+          </p:nvPr>
+        </p:nvSpPr>
+        <p:spPr/>
+        <p:txBody>
+          <a:bodyPr/>
+          <a:lstStyle/>
+          <a:p>
+            <a:fld id="{A755A953-2BD7-463B-8A56-4A00D775E979}" type="slidenum">
+              <a:rPr lang="es-ES" smtClean="0"/>
+              <a:t>2</a:t>
+            </a:fld>
+            <a:endParaRPr lang="es-ES"/>
+          </a:p>
+        </p:txBody>
+      </p:sp>
+    </p:spTree>
+    <p:extLst>
+      <p:ext uri="{BB962C8B-B14F-4D97-AF65-F5344CB8AC3E}">
+        <p14:creationId xmlns:p14="http://schemas.microsoft.com/office/powerpoint/2010/main" val="2569149935"/>
+      </p:ext>
+    </p:extLst>
+  </p:cSld>
+  <p:clrMapOvr>
+    <a:masterClrMapping/>
+  </p:clrMapOvr>
+</p:notes>
+</file>
+
+<file path=ppt/notesSlides/notesSlide2.xml><?xml version="1.0" encoding="utf-8"?>
+<p:notes xmlns:a="http://schemas.openxmlformats.org/drawingml/2006/main" xmlns:r="http://schemas.openxmlformats.org/officeDocument/2006/relationships" xmlns:p="http://schemas.openxmlformats.org/presentationml/2006/main">
+  <p:cSld>
+    <p:spTree>
+      <p:nvGrpSpPr>
+        <p:cNvPr id="1" name=""/>
+        <p:cNvGrpSpPr/>
+        <p:nvPr/>
+      </p:nvGrpSpPr>
+      <p:grpSpPr>
+        <a:xfrm>
+          <a:off x="0" y="0"/>
+          <a:ext cx="0" cy="0"/>
+          <a:chOff x="0" y="0"/>
+          <a:chExt cx="0" cy="0"/>
+        </a:xfrm>
+      </p:grpSpPr>
+      <p:sp>
+        <p:nvSpPr>
+          <p:cNvPr id="2" name="Marcador de imagen de diapositiva 1"/>
+          <p:cNvSpPr>
+            <a:spLocks noGrp="1" noRot="1" noChangeAspect="1"/>
+          </p:cNvSpPr>
+          <p:nvPr>
+            <p:ph type="sldImg"/>
+          </p:nvPr>
+        </p:nvSpPr>
         <p:spPr>
           <a:xfrm>
             <a:off x="685800" y="1143000"/>
@@ -6066,14 +6164,14 @@
             <p:ph idx="1"/>
             <p:extLst>
               <p:ext uri="{D42A27DB-BD31-4B8C-83A1-F6EECF244321}">
-                <p14:modId xmlns:p14="http://schemas.microsoft.com/office/powerpoint/2010/main" val="1019424663"/>
+                <p14:modId xmlns:p14="http://schemas.microsoft.com/office/powerpoint/2010/main" val="3636540411"/>
               </p:ext>
             </p:extLst>
           </p:nvPr>
         </p:nvGraphicFramePr>
         <p:xfrm>
           <a:off x="838200" y="1825625"/>
-          <a:ext cx="10515605" cy="3235960"/>
+          <a:ext cx="10515605" cy="4719320"/>
         </p:xfrm>
         <a:graphic>
           <a:graphicData uri="http://schemas.openxmlformats.org/drawingml/2006/table">
@@ -6141,8 +6239,16 @@
                     <a:lstStyle/>
                     <a:p>
                       <a:r>
+                        <a:rPr lang="es-ES" dirty="0" err="1" smtClean="0"/>
+                        <a:t>Comments</a:t>
+                      </a:r>
+                      <a:r>
                         <a:rPr lang="es-ES" dirty="0" smtClean="0"/>
-                        <a:t>Componente Software</a:t>
+                        <a:t> / </a:t>
+                      </a:r>
+                      <a:r>
+                        <a:rPr lang="es-ES" dirty="0" err="1" smtClean="0"/>
+                        <a:t>References</a:t>
                       </a:r>
                       <a:endParaRPr lang="es-ES" dirty="0"/>
                     </a:p>
@@ -6243,6 +6349,10 @@
                     <a:lstStyle/>
                     <a:p>
                       <a:pPr algn="ctr"/>
+                      <a:r>
+                        <a:rPr lang="es-ES" dirty="0" smtClean="0"/>
+                        <a:t>5.6.20</a:t>
+                      </a:r>
                       <a:endParaRPr lang="es-ES" dirty="0"/>
                     </a:p>
                   </a:txBody>
@@ -6253,6 +6363,10 @@
                     <a:bodyPr/>
                     <a:lstStyle/>
                     <a:p>
+                      <a:r>
+                        <a:rPr lang="es-ES" dirty="0" smtClean="0"/>
+                        <a:t>http://dev.mysql.com/downloads/file.php?id=453278</a:t>
+                      </a:r>
                       <a:endParaRPr lang="es-ES" dirty="0"/>
                     </a:p>
                   </a:txBody>
@@ -6553,10 +6667,89 @@
                     <a:p>
                       <a:r>
                         <a:rPr lang="es-ES" dirty="0" smtClean="0">
-                          <a:hlinkClick r:id="rId2"/>
+                          <a:hlinkClick r:id="rId3"/>
                         </a:rPr>
                         <a:t>http://hudson-ci.org/downloads/redhat/hudson-3.2.0-1.1.noarch.rpm</a:t>
                       </a:r>
+                      <a:endParaRPr lang="es-ES" dirty="0"/>
+                    </a:p>
+                  </a:txBody>
+                  <a:tcPr/>
+                </a:tc>
+              </a:tr>
+              <a:tr h="370840">
+                <a:tc>
+                  <a:txBody>
+                    <a:bodyPr/>
+                    <a:lstStyle/>
+                    <a:p>
+                      <a:r>
+                        <a:rPr lang="es-ES" dirty="0" smtClean="0"/>
+                        <a:t>tstsvr01</a:t>
+                      </a:r>
+                      <a:endParaRPr lang="es-ES" dirty="0"/>
+                    </a:p>
+                  </a:txBody>
+                  <a:tcPr/>
+                </a:tc>
+                <a:tc>
+                  <a:txBody>
+                    <a:bodyPr/>
+                    <a:lstStyle/>
+                    <a:p>
+                      <a:pPr marL="0" marR="0" indent="0" algn="l" defTabSz="914400" rtl="0" eaLnBrk="1" fontAlgn="auto" latinLnBrk="0" hangingPunct="1">
+                        <a:lnSpc>
+                          <a:spcPct val="100000"/>
+                        </a:lnSpc>
+                        <a:spcBef>
+                          <a:spcPts val="0"/>
+                        </a:spcBef>
+                        <a:spcAft>
+                          <a:spcPts val="0"/>
+                        </a:spcAft>
+                        <a:buClrTx/>
+                        <a:buSzTx/>
+                        <a:buFontTx/>
+                        <a:buNone/>
+                        <a:tabLst/>
+                        <a:defRPr/>
+                      </a:pPr>
+                      <a:r>
+                        <a:rPr lang="es-ES" dirty="0" smtClean="0"/>
+                        <a:t>Oracle Enterprise</a:t>
+                      </a:r>
+                      <a:r>
+                        <a:rPr lang="es-ES" baseline="0" dirty="0" smtClean="0"/>
+                        <a:t> </a:t>
+                      </a:r>
+                      <a:r>
+                        <a:rPr lang="es-ES" dirty="0" smtClean="0"/>
+                        <a:t>Linux</a:t>
+                      </a:r>
+                    </a:p>
+                  </a:txBody>
+                  <a:tcPr/>
+                </a:tc>
+                <a:tc>
+                  <a:txBody>
+                    <a:bodyPr/>
+                    <a:lstStyle/>
+                    <a:p>
+                      <a:pPr algn="ctr"/>
+                      <a:r>
+                        <a:rPr lang="es-ES" dirty="0" smtClean="0"/>
+                        <a:t>6.4</a:t>
+                      </a:r>
+                      <a:endParaRPr lang="es-ES" dirty="0"/>
+                    </a:p>
+                  </a:txBody>
+                  <a:tcPr/>
+                </a:tc>
+                <a:tc>
+                  <a:txBody>
+                    <a:bodyPr/>
+                    <a:lstStyle/>
+                    <a:p>
                       <a:endParaRPr lang="es-ES" dirty="0"/>
                     </a:p>
                   </a:txBody>
@@ -6596,6 +6789,148 @@
                         <a:tabLst/>
                         <a:defRPr/>
                       </a:pPr>
+                      <a:r>
+                        <a:rPr lang="es-ES" dirty="0" err="1" smtClean="0"/>
+                        <a:t>Selenium</a:t>
+                      </a:r>
+                      <a:r>
+                        <a:rPr lang="es-ES" dirty="0" smtClean="0"/>
+                        <a:t> HQ</a:t>
+                      </a:r>
+                    </a:p>
+                  </a:txBody>
+                  <a:tcPr/>
+                </a:tc>
+                <a:tc>
+                  <a:txBody>
+                    <a:bodyPr/>
+                    <a:lstStyle/>
+                    <a:p>
+                      <a:pPr algn="ctr"/>
+                      <a:endParaRPr lang="es-ES" dirty="0"/>
+                    </a:p>
+                  </a:txBody>
+                  <a:tcPr/>
+                </a:tc>
+                <a:tc>
+                  <a:txBody>
+                    <a:bodyPr/>
+                    <a:lstStyle/>
+                    <a:p>
+                      <a:endParaRPr lang="es-ES" dirty="0"/>
+                    </a:p>
+                  </a:txBody>
+                  <a:tcPr/>
+                </a:tc>
+              </a:tr>
+              <a:tr h="370840">
+                <a:tc>
+                  <a:txBody>
+                    <a:bodyPr/>
+                    <a:lstStyle/>
+                    <a:p>
+                      <a:endParaRPr lang="es-ES" dirty="0"/>
+                    </a:p>
+                  </a:txBody>
+                  <a:tcPr/>
+                </a:tc>
+                <a:tc>
+                  <a:txBody>
+                    <a:bodyPr/>
+                    <a:lstStyle/>
+                    <a:p>
+                      <a:pPr marL="0" marR="0" indent="0" algn="l" defTabSz="914400" rtl="0" eaLnBrk="1" fontAlgn="auto" latinLnBrk="0" hangingPunct="1">
+                        <a:lnSpc>
+                          <a:spcPct val="100000"/>
+                        </a:lnSpc>
+                        <a:spcBef>
+                          <a:spcPts val="0"/>
+                        </a:spcBef>
+                        <a:spcAft>
+                          <a:spcPts val="0"/>
+                        </a:spcAft>
+                        <a:buClrTx/>
+                        <a:buSzTx/>
+                        <a:buFontTx/>
+                        <a:buNone/>
+                        <a:tabLst/>
+                        <a:defRPr/>
+                      </a:pPr>
+                      <a:r>
+                        <a:rPr lang="es-ES" dirty="0" smtClean="0"/>
+                        <a:t>Test Link</a:t>
+                      </a:r>
+                    </a:p>
+                  </a:txBody>
+                  <a:tcPr/>
+                </a:tc>
+                <a:tc>
+                  <a:txBody>
+                    <a:bodyPr/>
+                    <a:lstStyle/>
+                    <a:p>
+                      <a:pPr algn="ctr"/>
+                      <a:endParaRPr lang="es-ES" dirty="0"/>
+                    </a:p>
+                  </a:txBody>
+                  <a:tcPr/>
+                </a:tc>
+                <a:tc>
+                  <a:txBody>
+                    <a:bodyPr/>
+                    <a:lstStyle/>
+                    <a:p>
+                      <a:endParaRPr lang="es-ES" dirty="0"/>
+                    </a:p>
+                  </a:txBody>
+                  <a:tcPr/>
+                </a:tc>
+              </a:tr>
+              <a:tr h="370840">
+                <a:tc>
+                  <a:txBody>
+                    <a:bodyPr/>
+                    <a:lstStyle/>
+                    <a:p>
+                      <a:r>
+                        <a:rPr lang="es-ES" dirty="0" err="1" smtClean="0"/>
+                        <a:t>Dev_PC</a:t>
+                      </a:r>
+                      <a:endParaRPr lang="es-ES" dirty="0"/>
+                    </a:p>
+                  </a:txBody>
+                  <a:tcPr/>
+                </a:tc>
+                <a:tc>
+                  <a:txBody>
+                    <a:bodyPr/>
+                    <a:lstStyle/>
+                    <a:p>
+                      <a:pPr marL="0" marR="0" indent="0" algn="l" defTabSz="914400" rtl="0" eaLnBrk="1" fontAlgn="auto" latinLnBrk="0" hangingPunct="1">
+                        <a:lnSpc>
+                          <a:spcPct val="100000"/>
+                        </a:lnSpc>
+                        <a:spcBef>
+                          <a:spcPts val="0"/>
+                        </a:spcBef>
+                        <a:spcAft>
+                          <a:spcPts val="0"/>
+                        </a:spcAft>
+                        <a:buClrTx/>
+                        <a:buSzTx/>
+                        <a:buFontTx/>
+                        <a:buNone/>
+                        <a:tabLst/>
+                        <a:defRPr/>
+                      </a:pPr>
+                      <a:r>
+                        <a:rPr lang="es-ES" dirty="0" smtClean="0"/>
+                        <a:t>Oracle </a:t>
+                      </a:r>
+                      <a:r>
+                        <a:rPr lang="es-ES" dirty="0" err="1" smtClean="0"/>
+                        <a:t>NetBeans</a:t>
+                      </a:r>
                       <a:endParaRPr lang="es-ES" dirty="0" smtClean="0"/>
                     </a:p>
                   </a:txBody>
@@ -6607,6 +6942,78 @@
                     <a:lstStyle/>
                     <a:p>
                       <a:pPr algn="ctr"/>
+                      <a:r>
+                        <a:rPr lang="es-ES" dirty="0" smtClean="0"/>
+                        <a:t>7.4</a:t>
+                      </a:r>
+                      <a:endParaRPr lang="es-ES" dirty="0"/>
+                    </a:p>
+                  </a:txBody>
+                  <a:tcPr/>
+                </a:tc>
+                <a:tc>
+                  <a:txBody>
+                    <a:bodyPr/>
+                    <a:lstStyle/>
+                    <a:p>
+                      <a:endParaRPr lang="es-ES" dirty="0"/>
+                    </a:p>
+                  </a:txBody>
+                  <a:tcPr/>
+                </a:tc>
+              </a:tr>
+              <a:tr h="370840">
+                <a:tc>
+                  <a:txBody>
+                    <a:bodyPr/>
+                    <a:lstStyle/>
+                    <a:p>
+                      <a:endParaRPr lang="es-ES" dirty="0"/>
+                    </a:p>
+                  </a:txBody>
+                  <a:tcPr/>
+                </a:tc>
+                <a:tc>
+                  <a:txBody>
+                    <a:bodyPr/>
+                    <a:lstStyle/>
+                    <a:p>
+                      <a:pPr marL="0" marR="0" indent="0" algn="l" defTabSz="914400" rtl="0" eaLnBrk="1" fontAlgn="auto" latinLnBrk="0" hangingPunct="1">
+                        <a:lnSpc>
+                          <a:spcPct val="100000"/>
+                        </a:lnSpc>
+                        <a:spcBef>
+                          <a:spcPts val="0"/>
+                        </a:spcBef>
+                        <a:spcAft>
+                          <a:spcPts val="0"/>
+                        </a:spcAft>
+                        <a:buClrTx/>
+                        <a:buSzTx/>
+                        <a:buFontTx/>
+                        <a:buNone/>
+                        <a:tabLst/>
+                        <a:defRPr/>
+                      </a:pPr>
+                      <a:r>
+                        <a:rPr lang="es-ES" dirty="0" err="1" smtClean="0"/>
+                        <a:t>SourceTree</a:t>
+                      </a:r>
+                      <a:endParaRPr lang="es-ES" dirty="0" smtClean="0"/>
+                    </a:p>
+                  </a:txBody>
+                  <a:tcPr/>
+                </a:tc>
+                <a:tc>
+                  <a:txBody>
+                    <a:bodyPr/>
+                    <a:lstStyle/>
+                    <a:p>
+                      <a:pPr algn="ctr"/>
+                      <a:r>
+                        <a:rPr lang="es-ES" dirty="0" smtClean="0"/>
+                        <a:t>1.6.3.0</a:t>
+                      </a:r>
                       <a:endParaRPr lang="es-ES" dirty="0"/>
                     </a:p>
                   </a:txBody>
